--- a/images/pics.pptx
+++ b/images/pics.pptx
@@ -8,6 +8,8 @@
     <p:sldId id="256" r:id="rId2"/>
     <p:sldId id="257" r:id="rId3"/>
     <p:sldId id="258" r:id="rId4"/>
+    <p:sldId id="259" r:id="rId5"/>
+    <p:sldId id="260" r:id="rId6"/>
   </p:sldIdLst>
   <p:sldSz cx="12192000" cy="6858000"/>
   <p:notesSz cx="6858000" cy="9144000"/>
@@ -4332,6 +4334,945 @@
   <p:clrMapOvr>
     <a:masterClrMapping/>
   </p:clrMapOvr>
+  <p:timing>
+    <p:tnLst>
+      <p:par>
+        <p:cTn id="1" dur="indefinite" restart="never" nodeType="tmRoot"/>
+      </p:par>
+    </p:tnLst>
+  </p:timing>
+</p:sld>
+</file>
+
+<file path=ppt/slides/slide4.xml><?xml version="1.0" encoding="utf-8"?>
+<p:sld xmlns:a="http://schemas.openxmlformats.org/drawingml/2006/main" xmlns:r="http://schemas.openxmlformats.org/officeDocument/2006/relationships" xmlns:p="http://schemas.openxmlformats.org/presentationml/2006/main">
+  <p:cSld>
+    <p:spTree>
+      <p:nvGrpSpPr>
+        <p:cNvPr id="1" name=""/>
+        <p:cNvGrpSpPr/>
+        <p:nvPr/>
+      </p:nvGrpSpPr>
+      <p:grpSpPr>
+        <a:xfrm>
+          <a:off x="0" y="0"/>
+          <a:ext cx="0" cy="0"/>
+          <a:chOff x="0" y="0"/>
+          <a:chExt cx="0" cy="0"/>
+        </a:xfrm>
+      </p:grpSpPr>
+      <p:pic>
+        <p:nvPicPr>
+          <p:cNvPr id="4" name="Picture 3"/>
+          <p:cNvPicPr>
+            <a:picLocks noChangeAspect="1"/>
+          </p:cNvPicPr>
+          <p:nvPr/>
+        </p:nvPicPr>
+        <p:blipFill>
+          <a:blip r:embed="rId2">
+            <a:extLst>
+              <a:ext uri="{28A0092B-C50C-407E-A947-70E740481C1C}">
+                <a14:useLocalDpi xmlns:a14="http://schemas.microsoft.com/office/drawing/2010/main" val="0"/>
+              </a:ext>
+            </a:extLst>
+          </a:blip>
+          <a:stretch>
+            <a:fillRect/>
+          </a:stretch>
+        </p:blipFill>
+        <p:spPr>
+          <a:xfrm>
+            <a:off x="600649" y="749357"/>
+            <a:ext cx="3148679" cy="3585577"/>
+          </a:xfrm>
+          <a:prstGeom prst="rect">
+            <a:avLst/>
+          </a:prstGeom>
+        </p:spPr>
+      </p:pic>
+      <p:sp>
+        <p:nvSpPr>
+          <p:cNvPr id="5" name="TextBox 4"/>
+          <p:cNvSpPr txBox="1"/>
+          <p:nvPr/>
+        </p:nvSpPr>
+        <p:spPr>
+          <a:xfrm>
+            <a:off x="3749328" y="732424"/>
+            <a:ext cx="4175472" cy="338554"/>
+          </a:xfrm>
+          <a:prstGeom prst="rect">
+            <a:avLst/>
+          </a:prstGeom>
+          <a:noFill/>
+        </p:spPr>
+        <p:txBody>
+          <a:bodyPr wrap="square" rtlCol="0">
+            <a:spAutoFit/>
+          </a:bodyPr>
+          <a:lstStyle/>
+          <a:p>
+            <a:r>
+              <a:rPr lang="en-US" sz="1600" dirty="0" smtClean="0"/>
+              <a:t>Contains csv raw data files for analysis</a:t>
+            </a:r>
+            <a:endParaRPr lang="en-US" sz="1600" dirty="0"/>
+          </a:p>
+        </p:txBody>
+      </p:sp>
+      <p:sp>
+        <p:nvSpPr>
+          <p:cNvPr id="6" name="TextBox 5"/>
+          <p:cNvSpPr txBox="1"/>
+          <p:nvPr/>
+        </p:nvSpPr>
+        <p:spPr>
+          <a:xfrm>
+            <a:off x="3749331" y="1003355"/>
+            <a:ext cx="4175472" cy="338554"/>
+          </a:xfrm>
+          <a:prstGeom prst="rect">
+            <a:avLst/>
+          </a:prstGeom>
+          <a:noFill/>
+        </p:spPr>
+        <p:txBody>
+          <a:bodyPr wrap="square" rtlCol="0">
+            <a:spAutoFit/>
+          </a:bodyPr>
+          <a:lstStyle/>
+          <a:p>
+            <a:r>
+              <a:rPr lang="en-US" sz="1600" smtClean="0"/>
+              <a:t>Functions for analysis</a:t>
+            </a:r>
+            <a:endParaRPr lang="en-US" sz="1600" dirty="0"/>
+          </a:p>
+        </p:txBody>
+      </p:sp>
+      <p:sp>
+        <p:nvSpPr>
+          <p:cNvPr id="7" name="TextBox 6"/>
+          <p:cNvSpPr txBox="1"/>
+          <p:nvPr/>
+        </p:nvSpPr>
+        <p:spPr>
+          <a:xfrm>
+            <a:off x="3749334" y="1257353"/>
+            <a:ext cx="4175472" cy="338554"/>
+          </a:xfrm>
+          <a:prstGeom prst="rect">
+            <a:avLst/>
+          </a:prstGeom>
+          <a:noFill/>
+        </p:spPr>
+        <p:txBody>
+          <a:bodyPr wrap="square" rtlCol="0">
+            <a:spAutoFit/>
+          </a:bodyPr>
+          <a:lstStyle/>
+          <a:p>
+            <a:r>
+              <a:rPr lang="en-US" sz="1600" smtClean="0"/>
+              <a:t>Images for readme</a:t>
+            </a:r>
+            <a:endParaRPr lang="en-US" sz="1600" dirty="0"/>
+          </a:p>
+        </p:txBody>
+      </p:sp>
+      <p:sp>
+        <p:nvSpPr>
+          <p:cNvPr id="8" name="TextBox 7"/>
+          <p:cNvSpPr txBox="1"/>
+          <p:nvPr/>
+        </p:nvSpPr>
+        <p:spPr>
+          <a:xfrm>
+            <a:off x="3749336" y="1528284"/>
+            <a:ext cx="4175472" cy="338554"/>
+          </a:xfrm>
+          <a:prstGeom prst="rect">
+            <a:avLst/>
+          </a:prstGeom>
+          <a:noFill/>
+        </p:spPr>
+        <p:txBody>
+          <a:bodyPr wrap="square" rtlCol="0">
+            <a:spAutoFit/>
+          </a:bodyPr>
+          <a:lstStyle/>
+          <a:p>
+            <a:r>
+              <a:rPr lang="en-US" sz="1600" dirty="0" smtClean="0"/>
+              <a:t>R packages dependencies</a:t>
+            </a:r>
+            <a:endParaRPr lang="en-US" sz="1600" dirty="0"/>
+          </a:p>
+        </p:txBody>
+      </p:sp>
+      <p:sp>
+        <p:nvSpPr>
+          <p:cNvPr id="9" name="TextBox 8"/>
+          <p:cNvSpPr txBox="1"/>
+          <p:nvPr/>
+        </p:nvSpPr>
+        <p:spPr>
+          <a:xfrm>
+            <a:off x="3749339" y="1799215"/>
+            <a:ext cx="6376794" cy="338554"/>
+          </a:xfrm>
+          <a:prstGeom prst="rect">
+            <a:avLst/>
+          </a:prstGeom>
+          <a:noFill/>
+        </p:spPr>
+        <p:txBody>
+          <a:bodyPr wrap="square" rtlCol="0">
+            <a:spAutoFit/>
+          </a:bodyPr>
+          <a:lstStyle/>
+          <a:p>
+            <a:r>
+              <a:rPr lang="en-US" sz="1600" dirty="0" smtClean="0"/>
+              <a:t>Result images for phenotype analysis from </a:t>
+            </a:r>
+            <a:r>
+              <a:rPr lang="en-US" sz="1600" dirty="0" err="1" smtClean="0"/>
+              <a:t>TestResult.Rmd</a:t>
+            </a:r>
+            <a:endParaRPr lang="en-US" sz="1600" dirty="0"/>
+          </a:p>
+        </p:txBody>
+      </p:sp>
+      <p:sp>
+        <p:nvSpPr>
+          <p:cNvPr id="10" name="TextBox 9"/>
+          <p:cNvSpPr txBox="1"/>
+          <p:nvPr/>
+        </p:nvSpPr>
+        <p:spPr>
+          <a:xfrm>
+            <a:off x="3749341" y="2070146"/>
+            <a:ext cx="6376794" cy="338554"/>
+          </a:xfrm>
+          <a:prstGeom prst="rect">
+            <a:avLst/>
+          </a:prstGeom>
+          <a:noFill/>
+        </p:spPr>
+        <p:txBody>
+          <a:bodyPr wrap="square" rtlCol="0">
+            <a:spAutoFit/>
+          </a:bodyPr>
+          <a:lstStyle/>
+          <a:p>
+            <a:r>
+              <a:rPr lang="en-US" sz="1600" dirty="0" smtClean="0"/>
+              <a:t>Result images for phenotype analysis from </a:t>
+            </a:r>
+            <a:r>
+              <a:rPr lang="en-US" sz="1600" dirty="0" err="1" smtClean="0"/>
+              <a:t>TestResult.Rmd</a:t>
+            </a:r>
+            <a:endParaRPr lang="en-US" sz="1600" dirty="0"/>
+          </a:p>
+        </p:txBody>
+      </p:sp>
+      <p:sp>
+        <p:nvSpPr>
+          <p:cNvPr id="11" name="TextBox 10"/>
+          <p:cNvSpPr txBox="1"/>
+          <p:nvPr/>
+        </p:nvSpPr>
+        <p:spPr>
+          <a:xfrm>
+            <a:off x="3749344" y="2341077"/>
+            <a:ext cx="6376794" cy="338554"/>
+          </a:xfrm>
+          <a:prstGeom prst="rect">
+            <a:avLst/>
+          </a:prstGeom>
+          <a:noFill/>
+        </p:spPr>
+        <p:txBody>
+          <a:bodyPr wrap="square" rtlCol="0">
+            <a:spAutoFit/>
+          </a:bodyPr>
+          <a:lstStyle/>
+          <a:p>
+            <a:r>
+              <a:rPr lang="en-US" sz="1600" dirty="0" smtClean="0"/>
+              <a:t>Result images for plasmid analysis from </a:t>
+            </a:r>
+            <a:r>
+              <a:rPr lang="en-US" sz="1600" dirty="0" err="1" smtClean="0"/>
+              <a:t>TestResult.Rmd</a:t>
+            </a:r>
+            <a:endParaRPr lang="en-US" sz="1600" dirty="0"/>
+          </a:p>
+        </p:txBody>
+      </p:sp>
+      <p:sp>
+        <p:nvSpPr>
+          <p:cNvPr id="12" name="TextBox 11"/>
+          <p:cNvSpPr txBox="1"/>
+          <p:nvPr/>
+        </p:nvSpPr>
+        <p:spPr>
+          <a:xfrm>
+            <a:off x="3749347" y="2628941"/>
+            <a:ext cx="6376794" cy="338554"/>
+          </a:xfrm>
+          <a:prstGeom prst="rect">
+            <a:avLst/>
+          </a:prstGeom>
+          <a:noFill/>
+        </p:spPr>
+        <p:txBody>
+          <a:bodyPr wrap="square" rtlCol="0">
+            <a:spAutoFit/>
+          </a:bodyPr>
+          <a:lstStyle/>
+          <a:p>
+            <a:r>
+              <a:rPr lang="en-US" sz="1600" dirty="0" smtClean="0"/>
+              <a:t>Html version of README generated from markdown</a:t>
+            </a:r>
+            <a:endParaRPr lang="en-US" sz="1600" dirty="0"/>
+          </a:p>
+        </p:txBody>
+      </p:sp>
+      <p:sp>
+        <p:nvSpPr>
+          <p:cNvPr id="13" name="TextBox 12"/>
+          <p:cNvSpPr txBox="1"/>
+          <p:nvPr/>
+        </p:nvSpPr>
+        <p:spPr>
+          <a:xfrm>
+            <a:off x="3766283" y="2882939"/>
+            <a:ext cx="6376794" cy="338554"/>
+          </a:xfrm>
+          <a:prstGeom prst="rect">
+            <a:avLst/>
+          </a:prstGeom>
+          <a:noFill/>
+        </p:spPr>
+        <p:txBody>
+          <a:bodyPr wrap="square" rtlCol="0">
+            <a:spAutoFit/>
+          </a:bodyPr>
+          <a:lstStyle/>
+          <a:p>
+            <a:r>
+              <a:rPr lang="en-US" sz="1600" dirty="0" smtClean="0"/>
+              <a:t>README</a:t>
+            </a:r>
+            <a:endParaRPr lang="en-US" sz="1600" dirty="0"/>
+          </a:p>
+        </p:txBody>
+      </p:sp>
+      <p:sp>
+        <p:nvSpPr>
+          <p:cNvPr id="14" name="TextBox 13"/>
+          <p:cNvSpPr txBox="1"/>
+          <p:nvPr/>
+        </p:nvSpPr>
+        <p:spPr>
+          <a:xfrm>
+            <a:off x="3749353" y="3153870"/>
+            <a:ext cx="6376794" cy="338554"/>
+          </a:xfrm>
+          <a:prstGeom prst="rect">
+            <a:avLst/>
+          </a:prstGeom>
+          <a:noFill/>
+        </p:spPr>
+        <p:txBody>
+          <a:bodyPr wrap="square" rtlCol="0">
+            <a:spAutoFit/>
+          </a:bodyPr>
+          <a:lstStyle/>
+          <a:p>
+            <a:r>
+              <a:rPr lang="en-US" sz="1600" dirty="0" smtClean="0"/>
+              <a:t>Cache files for </a:t>
+            </a:r>
+            <a:r>
+              <a:rPr lang="en-US" sz="1600" dirty="0" err="1" smtClean="0"/>
+              <a:t>TestResults.Rmd</a:t>
+            </a:r>
+            <a:endParaRPr lang="en-US" sz="1600" dirty="0"/>
+          </a:p>
+        </p:txBody>
+      </p:sp>
+      <p:sp>
+        <p:nvSpPr>
+          <p:cNvPr id="15" name="TextBox 14"/>
+          <p:cNvSpPr txBox="1"/>
+          <p:nvPr/>
+        </p:nvSpPr>
+        <p:spPr>
+          <a:xfrm>
+            <a:off x="3749354" y="3424801"/>
+            <a:ext cx="6376794" cy="338554"/>
+          </a:xfrm>
+          <a:prstGeom prst="rect">
+            <a:avLst/>
+          </a:prstGeom>
+          <a:noFill/>
+        </p:spPr>
+        <p:txBody>
+          <a:bodyPr wrap="square" rtlCol="0">
+            <a:spAutoFit/>
+          </a:bodyPr>
+          <a:lstStyle/>
+          <a:p>
+            <a:r>
+              <a:rPr lang="en-US" sz="1600" dirty="0" smtClean="0"/>
+              <a:t>Html report generated from </a:t>
+            </a:r>
+            <a:r>
+              <a:rPr lang="en-US" sz="1600" dirty="0" err="1" smtClean="0"/>
+              <a:t>TestResults.Rmd</a:t>
+            </a:r>
+            <a:endParaRPr lang="en-US" sz="1600" dirty="0"/>
+          </a:p>
+        </p:txBody>
+      </p:sp>
+      <p:sp>
+        <p:nvSpPr>
+          <p:cNvPr id="16" name="TextBox 15"/>
+          <p:cNvSpPr txBox="1"/>
+          <p:nvPr/>
+        </p:nvSpPr>
+        <p:spPr>
+          <a:xfrm>
+            <a:off x="3749353" y="3678799"/>
+            <a:ext cx="6376794" cy="338554"/>
+          </a:xfrm>
+          <a:prstGeom prst="rect">
+            <a:avLst/>
+          </a:prstGeom>
+          <a:noFill/>
+        </p:spPr>
+        <p:txBody>
+          <a:bodyPr wrap="square" rtlCol="0">
+            <a:spAutoFit/>
+          </a:bodyPr>
+          <a:lstStyle/>
+          <a:p>
+            <a:r>
+              <a:rPr lang="en-US" sz="1600" dirty="0" smtClean="0"/>
+              <a:t>R markdown file used to run results</a:t>
+            </a:r>
+            <a:endParaRPr lang="en-US" sz="1600" dirty="0"/>
+          </a:p>
+        </p:txBody>
+      </p:sp>
+      <p:sp>
+        <p:nvSpPr>
+          <p:cNvPr id="17" name="TextBox 16"/>
+          <p:cNvSpPr txBox="1"/>
+          <p:nvPr/>
+        </p:nvSpPr>
+        <p:spPr>
+          <a:xfrm>
+            <a:off x="3766290" y="3949733"/>
+            <a:ext cx="6376794" cy="338554"/>
+          </a:xfrm>
+          <a:prstGeom prst="rect">
+            <a:avLst/>
+          </a:prstGeom>
+          <a:noFill/>
+        </p:spPr>
+        <p:txBody>
+          <a:bodyPr wrap="square" rtlCol="0">
+            <a:spAutoFit/>
+          </a:bodyPr>
+          <a:lstStyle/>
+          <a:p>
+            <a:r>
+              <a:rPr lang="en-US" sz="1600" dirty="0" smtClean="0"/>
+              <a:t>Contains validation functions and files</a:t>
+            </a:r>
+            <a:endParaRPr lang="en-US" sz="1600" dirty="0"/>
+          </a:p>
+        </p:txBody>
+      </p:sp>
+    </p:spTree>
+    <p:extLst>
+      <p:ext uri="{BB962C8B-B14F-4D97-AF65-F5344CB8AC3E}">
+        <p14:creationId xmlns:p14="http://schemas.microsoft.com/office/powerpoint/2010/main" val="1259424178"/>
+      </p:ext>
+    </p:extLst>
+  </p:cSld>
+  <p:clrMapOvr>
+    <a:masterClrMapping/>
+  </p:clrMapOvr>
+  <p:timing>
+    <p:tnLst>
+      <p:par>
+        <p:cTn id="1" dur="indefinite" restart="never" nodeType="tmRoot"/>
+      </p:par>
+    </p:tnLst>
+  </p:timing>
+</p:sld>
+</file>
+
+<file path=ppt/slides/slide5.xml><?xml version="1.0" encoding="utf-8"?>
+<p:sld xmlns:a="http://schemas.openxmlformats.org/drawingml/2006/main" xmlns:r="http://schemas.openxmlformats.org/officeDocument/2006/relationships" xmlns:p="http://schemas.openxmlformats.org/presentationml/2006/main">
+  <p:cSld>
+    <p:spTree>
+      <p:nvGrpSpPr>
+        <p:cNvPr id="1" name=""/>
+        <p:cNvGrpSpPr/>
+        <p:nvPr/>
+      </p:nvGrpSpPr>
+      <p:grpSpPr>
+        <a:xfrm>
+          <a:off x="0" y="0"/>
+          <a:ext cx="0" cy="0"/>
+          <a:chOff x="0" y="0"/>
+          <a:chExt cx="0" cy="0"/>
+        </a:xfrm>
+      </p:grpSpPr>
+      <p:pic>
+        <p:nvPicPr>
+          <p:cNvPr id="4" name="Picture 3"/>
+          <p:cNvPicPr>
+            <a:picLocks noChangeAspect="1"/>
+          </p:cNvPicPr>
+          <p:nvPr/>
+        </p:nvPicPr>
+        <p:blipFill>
+          <a:blip r:embed="rId2">
+            <a:extLst>
+              <a:ext uri="{28A0092B-C50C-407E-A947-70E740481C1C}">
+                <a14:useLocalDpi xmlns:a14="http://schemas.microsoft.com/office/drawing/2010/main" val="0"/>
+              </a:ext>
+            </a:extLst>
+          </a:blip>
+          <a:stretch>
+            <a:fillRect/>
+          </a:stretch>
+        </p:blipFill>
+        <p:spPr>
+          <a:xfrm>
+            <a:off x="795866" y="804334"/>
+            <a:ext cx="5940911" cy="3581400"/>
+          </a:xfrm>
+          <a:prstGeom prst="rect">
+            <a:avLst/>
+          </a:prstGeom>
+        </p:spPr>
+      </p:pic>
+      <p:sp>
+        <p:nvSpPr>
+          <p:cNvPr id="5" name="TextBox 4"/>
+          <p:cNvSpPr txBox="1"/>
+          <p:nvPr/>
+        </p:nvSpPr>
+        <p:spPr>
+          <a:xfrm>
+            <a:off x="6729594" y="766290"/>
+            <a:ext cx="4175472" cy="338554"/>
+          </a:xfrm>
+          <a:prstGeom prst="rect">
+            <a:avLst/>
+          </a:prstGeom>
+          <a:noFill/>
+        </p:spPr>
+        <p:txBody>
+          <a:bodyPr wrap="square" rtlCol="0">
+            <a:spAutoFit/>
+          </a:bodyPr>
+          <a:lstStyle/>
+          <a:p>
+            <a:r>
+              <a:rPr lang="en-US" sz="1600" dirty="0" smtClean="0"/>
+              <a:t>Script for generating FIA_1.txt</a:t>
+            </a:r>
+            <a:endParaRPr lang="en-US" sz="1600" dirty="0"/>
+          </a:p>
+        </p:txBody>
+      </p:sp>
+      <p:sp>
+        <p:nvSpPr>
+          <p:cNvPr id="6" name="TextBox 5"/>
+          <p:cNvSpPr txBox="1"/>
+          <p:nvPr/>
+        </p:nvSpPr>
+        <p:spPr>
+          <a:xfrm>
+            <a:off x="6729589" y="1037218"/>
+            <a:ext cx="4175472" cy="338554"/>
+          </a:xfrm>
+          <a:prstGeom prst="rect">
+            <a:avLst/>
+          </a:prstGeom>
+          <a:noFill/>
+        </p:spPr>
+        <p:txBody>
+          <a:bodyPr wrap="square" rtlCol="0">
+            <a:spAutoFit/>
+          </a:bodyPr>
+          <a:lstStyle/>
+          <a:p>
+            <a:r>
+              <a:rPr lang="en-US" sz="1600" dirty="0"/>
+              <a:t>Script for generating </a:t>
+            </a:r>
+            <a:r>
+              <a:rPr lang="en-US" sz="1600" dirty="0" smtClean="0"/>
+              <a:t>FIA_2.txt</a:t>
+            </a:r>
+            <a:endParaRPr lang="en-US" sz="1600" dirty="0"/>
+          </a:p>
+        </p:txBody>
+      </p:sp>
+      <p:sp>
+        <p:nvSpPr>
+          <p:cNvPr id="7" name="TextBox 6"/>
+          <p:cNvSpPr txBox="1"/>
+          <p:nvPr/>
+        </p:nvSpPr>
+        <p:spPr>
+          <a:xfrm>
+            <a:off x="6729589" y="1291217"/>
+            <a:ext cx="4175472" cy="338554"/>
+          </a:xfrm>
+          <a:prstGeom prst="rect">
+            <a:avLst/>
+          </a:prstGeom>
+          <a:noFill/>
+        </p:spPr>
+        <p:txBody>
+          <a:bodyPr wrap="square" rtlCol="0">
+            <a:spAutoFit/>
+          </a:bodyPr>
+          <a:lstStyle/>
+          <a:p>
+            <a:r>
+              <a:rPr lang="en-US" sz="1600" dirty="0"/>
+              <a:t>Script for generating </a:t>
+            </a:r>
+            <a:r>
+              <a:rPr lang="en-US" sz="1600" dirty="0" smtClean="0"/>
+              <a:t>FIA_3.txt</a:t>
+            </a:r>
+            <a:endParaRPr lang="en-US" sz="1600" dirty="0"/>
+          </a:p>
+        </p:txBody>
+      </p:sp>
+      <p:sp>
+        <p:nvSpPr>
+          <p:cNvPr id="8" name="TextBox 7"/>
+          <p:cNvSpPr txBox="1"/>
+          <p:nvPr/>
+        </p:nvSpPr>
+        <p:spPr>
+          <a:xfrm>
+            <a:off x="6746523" y="1731483"/>
+            <a:ext cx="4446409" cy="338554"/>
+          </a:xfrm>
+          <a:prstGeom prst="rect">
+            <a:avLst/>
+          </a:prstGeom>
+          <a:noFill/>
+        </p:spPr>
+        <p:txBody>
+          <a:bodyPr wrap="square" rtlCol="0">
+            <a:spAutoFit/>
+          </a:bodyPr>
+          <a:lstStyle/>
+          <a:p>
+            <a:r>
+              <a:rPr lang="en-US" sz="1600" dirty="0"/>
+              <a:t>p</a:t>
+            </a:r>
+            <a:r>
+              <a:rPr lang="en-US" sz="1600" dirty="0" smtClean="0"/>
+              <a:t>-values based on null hypothesis from each core</a:t>
+            </a:r>
+            <a:endParaRPr lang="en-US" sz="1600" dirty="0"/>
+          </a:p>
+        </p:txBody>
+      </p:sp>
+      <p:sp>
+        <p:nvSpPr>
+          <p:cNvPr id="11" name="TextBox 10"/>
+          <p:cNvSpPr txBox="1"/>
+          <p:nvPr/>
+        </p:nvSpPr>
+        <p:spPr>
+          <a:xfrm>
+            <a:off x="6729592" y="2256418"/>
+            <a:ext cx="4175472" cy="338554"/>
+          </a:xfrm>
+          <a:prstGeom prst="rect">
+            <a:avLst/>
+          </a:prstGeom>
+          <a:noFill/>
+        </p:spPr>
+        <p:txBody>
+          <a:bodyPr wrap="square" rtlCol="0">
+            <a:spAutoFit/>
+          </a:bodyPr>
+          <a:lstStyle/>
+          <a:p>
+            <a:r>
+              <a:rPr lang="en-US" sz="1600" dirty="0" smtClean="0"/>
+              <a:t>Distribution plot of p-values for null hypothesis</a:t>
+            </a:r>
+            <a:endParaRPr lang="en-US" sz="1600" dirty="0"/>
+          </a:p>
+        </p:txBody>
+      </p:sp>
+      <p:sp>
+        <p:nvSpPr>
+          <p:cNvPr id="12" name="TextBox 11"/>
+          <p:cNvSpPr txBox="1"/>
+          <p:nvPr/>
+        </p:nvSpPr>
+        <p:spPr>
+          <a:xfrm>
+            <a:off x="6729592" y="2527350"/>
+            <a:ext cx="4175472" cy="338554"/>
+          </a:xfrm>
+          <a:prstGeom prst="rect">
+            <a:avLst/>
+          </a:prstGeom>
+          <a:noFill/>
+        </p:spPr>
+        <p:txBody>
+          <a:bodyPr wrap="square" rtlCol="0">
+            <a:spAutoFit/>
+          </a:bodyPr>
+          <a:lstStyle/>
+          <a:p>
+            <a:r>
+              <a:rPr lang="en-US" sz="1600" dirty="0" smtClean="0"/>
+              <a:t>Permutation functions for validation</a:t>
+            </a:r>
+            <a:endParaRPr lang="en-US" sz="1600" dirty="0"/>
+          </a:p>
+        </p:txBody>
+      </p:sp>
+      <p:sp>
+        <p:nvSpPr>
+          <p:cNvPr id="13" name="TextBox 12"/>
+          <p:cNvSpPr txBox="1"/>
+          <p:nvPr/>
+        </p:nvSpPr>
+        <p:spPr>
+          <a:xfrm>
+            <a:off x="6729592" y="2798283"/>
+            <a:ext cx="4175472" cy="338554"/>
+          </a:xfrm>
+          <a:prstGeom prst="rect">
+            <a:avLst/>
+          </a:prstGeom>
+          <a:noFill/>
+        </p:spPr>
+        <p:txBody>
+          <a:bodyPr wrap="square" rtlCol="0">
+            <a:spAutoFit/>
+          </a:bodyPr>
+          <a:lstStyle/>
+          <a:p>
+            <a:r>
+              <a:rPr lang="en-US" sz="1600" dirty="0" smtClean="0"/>
+              <a:t>Proportions plot for p-value distribution</a:t>
+            </a:r>
+            <a:endParaRPr lang="en-US" sz="1600" dirty="0"/>
+          </a:p>
+        </p:txBody>
+      </p:sp>
+      <p:sp>
+        <p:nvSpPr>
+          <p:cNvPr id="14" name="TextBox 13"/>
+          <p:cNvSpPr txBox="1"/>
+          <p:nvPr/>
+        </p:nvSpPr>
+        <p:spPr>
+          <a:xfrm>
+            <a:off x="6729592" y="3035354"/>
+            <a:ext cx="4175472" cy="338554"/>
+          </a:xfrm>
+          <a:prstGeom prst="rect">
+            <a:avLst/>
+          </a:prstGeom>
+          <a:noFill/>
+        </p:spPr>
+        <p:txBody>
+          <a:bodyPr wrap="square" rtlCol="0">
+            <a:spAutoFit/>
+          </a:bodyPr>
+          <a:lstStyle/>
+          <a:p>
+            <a:r>
+              <a:rPr lang="en-US" sz="1600" dirty="0" smtClean="0"/>
+              <a:t>Result images for simulations in </a:t>
+            </a:r>
+            <a:r>
+              <a:rPr lang="en-US" sz="1600" dirty="0" err="1" smtClean="0"/>
+              <a:t>validation.Rmd</a:t>
+            </a:r>
+            <a:endParaRPr lang="en-US" sz="1600" dirty="0"/>
+          </a:p>
+        </p:txBody>
+      </p:sp>
+      <p:sp>
+        <p:nvSpPr>
+          <p:cNvPr id="15" name="TextBox 14"/>
+          <p:cNvSpPr txBox="1"/>
+          <p:nvPr/>
+        </p:nvSpPr>
+        <p:spPr>
+          <a:xfrm>
+            <a:off x="6729592" y="3289346"/>
+            <a:ext cx="4175472" cy="338554"/>
+          </a:xfrm>
+          <a:prstGeom prst="rect">
+            <a:avLst/>
+          </a:prstGeom>
+          <a:noFill/>
+        </p:spPr>
+        <p:txBody>
+          <a:bodyPr wrap="square" rtlCol="0">
+            <a:spAutoFit/>
+          </a:bodyPr>
+          <a:lstStyle/>
+          <a:p>
+            <a:r>
+              <a:rPr lang="en-US" sz="1600" dirty="0" smtClean="0"/>
+              <a:t>Cache files for </a:t>
+            </a:r>
+            <a:r>
+              <a:rPr lang="en-US" sz="1600" dirty="0" err="1" smtClean="0"/>
+              <a:t>validation.Rmd</a:t>
+            </a:r>
+            <a:endParaRPr lang="en-US" sz="1600" dirty="0"/>
+          </a:p>
+        </p:txBody>
+      </p:sp>
+      <p:sp>
+        <p:nvSpPr>
+          <p:cNvPr id="16" name="TextBox 15"/>
+          <p:cNvSpPr txBox="1"/>
+          <p:nvPr/>
+        </p:nvSpPr>
+        <p:spPr>
+          <a:xfrm>
+            <a:off x="6746524" y="3560285"/>
+            <a:ext cx="4175472" cy="338554"/>
+          </a:xfrm>
+          <a:prstGeom prst="rect">
+            <a:avLst/>
+          </a:prstGeom>
+          <a:noFill/>
+        </p:spPr>
+        <p:txBody>
+          <a:bodyPr wrap="square" rtlCol="0">
+            <a:spAutoFit/>
+          </a:bodyPr>
+          <a:lstStyle/>
+          <a:p>
+            <a:r>
+              <a:rPr lang="en-US" sz="1600" dirty="0" smtClean="0"/>
+              <a:t>Html elements for </a:t>
+            </a:r>
+            <a:r>
+              <a:rPr lang="en-US" sz="1600" dirty="0" err="1" smtClean="0"/>
+              <a:t>validation.html</a:t>
+            </a:r>
+            <a:endParaRPr lang="en-US" sz="1600" dirty="0"/>
+          </a:p>
+        </p:txBody>
+      </p:sp>
+      <p:sp>
+        <p:nvSpPr>
+          <p:cNvPr id="17" name="TextBox 16"/>
+          <p:cNvSpPr txBox="1"/>
+          <p:nvPr/>
+        </p:nvSpPr>
+        <p:spPr>
+          <a:xfrm>
+            <a:off x="6729589" y="3814291"/>
+            <a:ext cx="4175472" cy="338554"/>
+          </a:xfrm>
+          <a:prstGeom prst="rect">
+            <a:avLst/>
+          </a:prstGeom>
+          <a:noFill/>
+        </p:spPr>
+        <p:txBody>
+          <a:bodyPr wrap="square" rtlCol="0">
+            <a:spAutoFit/>
+          </a:bodyPr>
+          <a:lstStyle/>
+          <a:p>
+            <a:r>
+              <a:rPr lang="en-US" sz="1600" dirty="0" smtClean="0"/>
+              <a:t>Html report generated from </a:t>
+            </a:r>
+            <a:r>
+              <a:rPr lang="en-US" sz="1600" dirty="0" err="1" smtClean="0"/>
+              <a:t>validation.Rmd</a:t>
+            </a:r>
+            <a:endParaRPr lang="en-US" sz="1600" dirty="0"/>
+          </a:p>
+        </p:txBody>
+      </p:sp>
+      <p:sp>
+        <p:nvSpPr>
+          <p:cNvPr id="18" name="TextBox 17"/>
+          <p:cNvSpPr txBox="1"/>
+          <p:nvPr/>
+        </p:nvSpPr>
+        <p:spPr>
+          <a:xfrm>
+            <a:off x="6729589" y="4051346"/>
+            <a:ext cx="4175472" cy="338554"/>
+          </a:xfrm>
+          <a:prstGeom prst="rect">
+            <a:avLst/>
+          </a:prstGeom>
+          <a:noFill/>
+        </p:spPr>
+        <p:txBody>
+          <a:bodyPr wrap="square" rtlCol="0">
+            <a:spAutoFit/>
+          </a:bodyPr>
+          <a:lstStyle/>
+          <a:p>
+            <a:r>
+              <a:rPr lang="en-US" sz="1600" dirty="0" smtClean="0"/>
+              <a:t>R markdown file used to run validation</a:t>
+            </a:r>
+            <a:endParaRPr lang="en-US" sz="1600" dirty="0"/>
+          </a:p>
+        </p:txBody>
+      </p:sp>
+    </p:spTree>
+    <p:extLst>
+      <p:ext uri="{BB962C8B-B14F-4D97-AF65-F5344CB8AC3E}">
+        <p14:creationId xmlns:p14="http://schemas.microsoft.com/office/powerpoint/2010/main" val="1511739484"/>
+      </p:ext>
+    </p:extLst>
+  </p:cSld>
+  <p:clrMapOvr>
+    <a:masterClrMapping/>
+  </p:clrMapOvr>
+  <p:timing>
+    <p:tnLst>
+      <p:par>
+        <p:cTn id="1" dur="indefinite" restart="never" nodeType="tmRoot"/>
+      </p:par>
+    </p:tnLst>
+  </p:timing>
 </p:sld>
 </file>
 
